--- a/Materials/slides/Week13.pptx
+++ b/Materials/slides/Week13.pptx
@@ -494,6 +494,1064 @@
     </a:lvl9pPr>
   </p:notesStyle>
 </p:notesMaster>
+</file>
+
+<file path=ppt/notesSlides/notesSlide1.xml><?xml version="1.0" encoding="utf-8"?>
+<p:notes xmlns:a="http://schemas.openxmlformats.org/drawingml/2006/main" xmlns:r="http://schemas.openxmlformats.org/officeDocument/2006/relationships" xmlns:p="http://schemas.openxmlformats.org/presentationml/2006/main">
+  <p:cSld>
+    <p:spTree>
+      <p:nvGrpSpPr>
+        <p:cNvPr id="1" name=""/>
+        <p:cNvGrpSpPr/>
+        <p:nvPr/>
+      </p:nvGrpSpPr>
+      <p:grpSpPr>
+        <a:xfrm>
+          <a:off x="0" y="0"/>
+          <a:ext cx="0" cy="0"/>
+          <a:chOff x="0" y="0"/>
+          <a:chExt cx="0" cy="0"/>
+        </a:xfrm>
+      </p:grpSpPr>
+      <p:sp>
+        <p:nvSpPr>
+          <p:cNvPr id="2" name="投影片圖像版面配置區 1"/>
+          <p:cNvSpPr>
+            <a:spLocks noGrp="1" noRot="1" noChangeAspect="1"/>
+          </p:cNvSpPr>
+          <p:nvPr>
+            <p:ph type="sldImg"/>
+          </p:nvPr>
+        </p:nvSpPr>
+        <p:spPr/>
+      </p:sp>
+      <p:sp>
+        <p:nvSpPr>
+          <p:cNvPr id="3" name="備忘稿版面配置區 2"/>
+          <p:cNvSpPr>
+            <a:spLocks noGrp="1"/>
+          </p:cNvSpPr>
+          <p:nvPr>
+            <p:ph type="body" idx="1"/>
+          </p:nvPr>
+        </p:nvSpPr>
+        <p:spPr/>
+        <p:txBody>
+          <a:bodyPr/>
+          <a:lstStyle/>
+          <a:p>
+            <a:endParaRPr lang="en-US" dirty="0"/>
+          </a:p>
+        </p:txBody>
+      </p:sp>
+      <p:sp>
+        <p:nvSpPr>
+          <p:cNvPr id="4" name="投影片編號版面配置區 3"/>
+          <p:cNvSpPr>
+            <a:spLocks noGrp="1"/>
+          </p:cNvSpPr>
+          <p:nvPr>
+            <p:ph type="sldNum" sz="quarter" idx="10"/>
+          </p:nvPr>
+        </p:nvSpPr>
+        <p:spPr/>
+        <p:txBody>
+          <a:bodyPr/>
+          <a:lstStyle/>
+          <a:p>
+            <a:fld id="{4434A9D5-F0D8-354E-9F0A-63F83BF169BC}" type="slidenum">
+              <a:rPr kumimoji="1" lang="zh-TW" altLang="en-US" smtClean="0"/>
+              <a:t>2</a:t>
+            </a:fld>
+            <a:endParaRPr kumimoji="1" lang="zh-TW" altLang="en-US"/>
+          </a:p>
+        </p:txBody>
+      </p:sp>
+    </p:spTree>
+    <p:extLst>
+      <p:ext uri="{BB962C8B-B14F-4D97-AF65-F5344CB8AC3E}">
+        <p14:creationId xmlns:p14="http://schemas.microsoft.com/office/powerpoint/2010/main" val="2749628417"/>
+      </p:ext>
+    </p:extLst>
+  </p:cSld>
+  <p:clrMapOvr>
+    <a:masterClrMapping/>
+  </p:clrMapOvr>
+</p:notes>
+</file>
+
+<file path=ppt/notesSlides/notesSlide2.xml><?xml version="1.0" encoding="utf-8"?>
+<p:notes xmlns:a="http://schemas.openxmlformats.org/drawingml/2006/main" xmlns:r="http://schemas.openxmlformats.org/officeDocument/2006/relationships" xmlns:p="http://schemas.openxmlformats.org/presentationml/2006/main">
+  <p:cSld>
+    <p:spTree>
+      <p:nvGrpSpPr>
+        <p:cNvPr id="1" name=""/>
+        <p:cNvGrpSpPr/>
+        <p:nvPr/>
+      </p:nvGrpSpPr>
+      <p:grpSpPr>
+        <a:xfrm>
+          <a:off x="0" y="0"/>
+          <a:ext cx="0" cy="0"/>
+          <a:chOff x="0" y="0"/>
+          <a:chExt cx="0" cy="0"/>
+        </a:xfrm>
+      </p:grpSpPr>
+      <p:sp>
+        <p:nvSpPr>
+          <p:cNvPr id="2" name="投影片圖像版面配置區 1"/>
+          <p:cNvSpPr>
+            <a:spLocks noGrp="1" noRot="1" noChangeAspect="1"/>
+          </p:cNvSpPr>
+          <p:nvPr>
+            <p:ph type="sldImg"/>
+          </p:nvPr>
+        </p:nvSpPr>
+        <p:spPr/>
+      </p:sp>
+      <p:sp>
+        <p:nvSpPr>
+          <p:cNvPr id="3" name="備忘稿版面配置區 2"/>
+          <p:cNvSpPr>
+            <a:spLocks noGrp="1"/>
+          </p:cNvSpPr>
+          <p:nvPr>
+            <p:ph type="body" idx="1"/>
+          </p:nvPr>
+        </p:nvSpPr>
+        <p:spPr/>
+        <p:txBody>
+          <a:bodyPr/>
+          <a:lstStyle/>
+          <a:p>
+            <a:endParaRPr lang="en-US" dirty="0"/>
+          </a:p>
+        </p:txBody>
+      </p:sp>
+      <p:sp>
+        <p:nvSpPr>
+          <p:cNvPr id="4" name="投影片編號版面配置區 3"/>
+          <p:cNvSpPr>
+            <a:spLocks noGrp="1"/>
+          </p:cNvSpPr>
+          <p:nvPr>
+            <p:ph type="sldNum" sz="quarter" idx="10"/>
+          </p:nvPr>
+        </p:nvSpPr>
+        <p:spPr/>
+        <p:txBody>
+          <a:bodyPr/>
+          <a:lstStyle/>
+          <a:p>
+            <a:fld id="{4434A9D5-F0D8-354E-9F0A-63F83BF169BC}" type="slidenum">
+              <a:rPr kumimoji="1" lang="zh-TW" altLang="en-US" smtClean="0"/>
+              <a:t>3</a:t>
+            </a:fld>
+            <a:endParaRPr kumimoji="1" lang="zh-TW" altLang="en-US"/>
+          </a:p>
+        </p:txBody>
+      </p:sp>
+    </p:spTree>
+    <p:extLst>
+      <p:ext uri="{BB962C8B-B14F-4D97-AF65-F5344CB8AC3E}">
+        <p14:creationId xmlns:p14="http://schemas.microsoft.com/office/powerpoint/2010/main" val="2150882321"/>
+      </p:ext>
+    </p:extLst>
+  </p:cSld>
+  <p:clrMapOvr>
+    <a:masterClrMapping/>
+  </p:clrMapOvr>
+</p:notes>
+</file>
+
+<file path=ppt/notesSlides/notesSlide3.xml><?xml version="1.0" encoding="utf-8"?>
+<p:notes xmlns:a="http://schemas.openxmlformats.org/drawingml/2006/main" xmlns:r="http://schemas.openxmlformats.org/officeDocument/2006/relationships" xmlns:p="http://schemas.openxmlformats.org/presentationml/2006/main">
+  <p:cSld>
+    <p:spTree>
+      <p:nvGrpSpPr>
+        <p:cNvPr id="1" name=""/>
+        <p:cNvGrpSpPr/>
+        <p:nvPr/>
+      </p:nvGrpSpPr>
+      <p:grpSpPr>
+        <a:xfrm>
+          <a:off x="0" y="0"/>
+          <a:ext cx="0" cy="0"/>
+          <a:chOff x="0" y="0"/>
+          <a:chExt cx="0" cy="0"/>
+        </a:xfrm>
+      </p:grpSpPr>
+      <p:sp>
+        <p:nvSpPr>
+          <p:cNvPr id="2" name="投影片圖像版面配置區 1"/>
+          <p:cNvSpPr>
+            <a:spLocks noGrp="1" noRot="1" noChangeAspect="1"/>
+          </p:cNvSpPr>
+          <p:nvPr>
+            <p:ph type="sldImg"/>
+          </p:nvPr>
+        </p:nvSpPr>
+        <p:spPr/>
+      </p:sp>
+      <p:sp>
+        <p:nvSpPr>
+          <p:cNvPr id="3" name="備忘稿版面配置區 2"/>
+          <p:cNvSpPr>
+            <a:spLocks noGrp="1"/>
+          </p:cNvSpPr>
+          <p:nvPr>
+            <p:ph type="body" idx="1"/>
+          </p:nvPr>
+        </p:nvSpPr>
+        <p:spPr/>
+        <p:txBody>
+          <a:bodyPr/>
+          <a:lstStyle/>
+          <a:p>
+            <a:r>
+              <a:rPr lang="en-US" dirty="0" smtClean="0"/>
+              <a:t>If</a:t>
+            </a:r>
+            <a:r>
+              <a:rPr lang="en-US" baseline="0" dirty="0" smtClean="0"/>
+              <a:t> no data type compiler don’t know how to compile</a:t>
+            </a:r>
+            <a:endParaRPr lang="en-US" dirty="0"/>
+          </a:p>
+        </p:txBody>
+      </p:sp>
+      <p:sp>
+        <p:nvSpPr>
+          <p:cNvPr id="4" name="投影片編號版面配置區 3"/>
+          <p:cNvSpPr>
+            <a:spLocks noGrp="1"/>
+          </p:cNvSpPr>
+          <p:nvPr>
+            <p:ph type="sldNum" sz="quarter" idx="10"/>
+          </p:nvPr>
+        </p:nvSpPr>
+        <p:spPr/>
+        <p:txBody>
+          <a:bodyPr/>
+          <a:lstStyle/>
+          <a:p>
+            <a:fld id="{4434A9D5-F0D8-354E-9F0A-63F83BF169BC}" type="slidenum">
+              <a:rPr kumimoji="1" lang="zh-TW" altLang="en-US" smtClean="0"/>
+              <a:t>4</a:t>
+            </a:fld>
+            <a:endParaRPr kumimoji="1" lang="zh-TW" altLang="en-US"/>
+          </a:p>
+        </p:txBody>
+      </p:sp>
+    </p:spTree>
+    <p:extLst>
+      <p:ext uri="{BB962C8B-B14F-4D97-AF65-F5344CB8AC3E}">
+        <p14:creationId xmlns:p14="http://schemas.microsoft.com/office/powerpoint/2010/main" val="3667140519"/>
+      </p:ext>
+    </p:extLst>
+  </p:cSld>
+  <p:clrMapOvr>
+    <a:masterClrMapping/>
+  </p:clrMapOvr>
+</p:notes>
+</file>
+
+<file path=ppt/notesSlides/notesSlide4.xml><?xml version="1.0" encoding="utf-8"?>
+<p:notes xmlns:a="http://schemas.openxmlformats.org/drawingml/2006/main" xmlns:r="http://schemas.openxmlformats.org/officeDocument/2006/relationships" xmlns:p="http://schemas.openxmlformats.org/presentationml/2006/main">
+  <p:cSld>
+    <p:spTree>
+      <p:nvGrpSpPr>
+        <p:cNvPr id="1" name=""/>
+        <p:cNvGrpSpPr/>
+        <p:nvPr/>
+      </p:nvGrpSpPr>
+      <p:grpSpPr>
+        <a:xfrm>
+          <a:off x="0" y="0"/>
+          <a:ext cx="0" cy="0"/>
+          <a:chOff x="0" y="0"/>
+          <a:chExt cx="0" cy="0"/>
+        </a:xfrm>
+      </p:grpSpPr>
+      <p:sp>
+        <p:nvSpPr>
+          <p:cNvPr id="2" name="投影片圖像版面配置區 1"/>
+          <p:cNvSpPr>
+            <a:spLocks noGrp="1" noRot="1" noChangeAspect="1"/>
+          </p:cNvSpPr>
+          <p:nvPr>
+            <p:ph type="sldImg"/>
+          </p:nvPr>
+        </p:nvSpPr>
+        <p:spPr/>
+      </p:sp>
+      <p:sp>
+        <p:nvSpPr>
+          <p:cNvPr id="3" name="備忘稿版面配置區 2"/>
+          <p:cNvSpPr>
+            <a:spLocks noGrp="1"/>
+          </p:cNvSpPr>
+          <p:nvPr>
+            <p:ph type="body" idx="1"/>
+          </p:nvPr>
+        </p:nvSpPr>
+        <p:spPr/>
+        <p:txBody>
+          <a:bodyPr/>
+          <a:lstStyle/>
+          <a:p>
+            <a:r>
+              <a:rPr lang="en-US" altLang="zh-TW" sz="1200" dirty="0" smtClean="0">
+                <a:solidFill>
+                  <a:srgbClr val="FF0000"/>
+                </a:solidFill>
+                <a:latin typeface="Courier New" panose="02070309020205020404" pitchFamily="49" charset="0"/>
+                <a:cs typeface="Courier New" panose="02070309020205020404" pitchFamily="49" charset="0"/>
+              </a:rPr>
+              <a:t>Compiler</a:t>
+            </a:r>
+            <a:r>
+              <a:rPr lang="en-US" altLang="zh-TW" sz="1200" baseline="0" dirty="0" smtClean="0">
+                <a:solidFill>
+                  <a:srgbClr val="FF0000"/>
+                </a:solidFill>
+                <a:latin typeface="Courier New" panose="02070309020205020404" pitchFamily="49" charset="0"/>
+                <a:cs typeface="Courier New" panose="02070309020205020404" pitchFamily="49" charset="0"/>
+              </a:rPr>
+              <a:t> sees   </a:t>
+            </a:r>
+            <a:r>
+              <a:rPr lang="en-US" altLang="zh-TW" sz="1200" dirty="0" smtClean="0">
+                <a:solidFill>
+                  <a:srgbClr val="FF0000"/>
+                </a:solidFill>
+                <a:latin typeface="Courier New" panose="02070309020205020404" pitchFamily="49" charset="0"/>
+                <a:cs typeface="Courier New" panose="02070309020205020404" pitchFamily="49" charset="0"/>
+              </a:rPr>
+              <a:t>compare&lt;</a:t>
+            </a:r>
+            <a:r>
+              <a:rPr lang="en-US" altLang="zh-TW" sz="1200" dirty="0" err="1" smtClean="0">
+                <a:solidFill>
+                  <a:srgbClr val="FF0000"/>
+                </a:solidFill>
+                <a:latin typeface="Courier New" panose="02070309020205020404" pitchFamily="49" charset="0"/>
+                <a:cs typeface="Courier New" panose="02070309020205020404" pitchFamily="49" charset="0"/>
+              </a:rPr>
+              <a:t>int</a:t>
+            </a:r>
+            <a:r>
+              <a:rPr lang="en-US" altLang="zh-TW" sz="1200" dirty="0" smtClean="0">
+                <a:solidFill>
+                  <a:srgbClr val="FF0000"/>
+                </a:solidFill>
+                <a:latin typeface="Courier New" panose="02070309020205020404" pitchFamily="49" charset="0"/>
+                <a:cs typeface="Courier New" panose="02070309020205020404" pitchFamily="49" charset="0"/>
+              </a:rPr>
+              <a:t>&gt;(a, b) </a:t>
+            </a:r>
+          </a:p>
+          <a:p>
+            <a:r>
+              <a:rPr lang="en-US" sz="1200" dirty="0" smtClean="0">
+                <a:solidFill>
+                  <a:srgbClr val="FF0000"/>
+                </a:solidFill>
+                <a:latin typeface="Courier New" panose="02070309020205020404" pitchFamily="49" charset="0"/>
+                <a:cs typeface="Courier New" panose="02070309020205020404" pitchFamily="49" charset="0"/>
+              </a:rPr>
+              <a:t>Change the</a:t>
+            </a:r>
+            <a:r>
+              <a:rPr lang="en-US" sz="1200" baseline="0" dirty="0" smtClean="0">
+                <a:solidFill>
+                  <a:srgbClr val="FF0000"/>
+                </a:solidFill>
+                <a:latin typeface="Courier New" panose="02070309020205020404" pitchFamily="49" charset="0"/>
+                <a:cs typeface="Courier New" panose="02070309020205020404" pitchFamily="49" charset="0"/>
+              </a:rPr>
+              <a:t> compare function to integer</a:t>
+            </a:r>
+          </a:p>
+          <a:p>
+            <a:r>
+              <a:rPr lang="en-US" sz="1200" baseline="0" dirty="0" smtClean="0">
+                <a:solidFill>
+                  <a:srgbClr val="FF0000"/>
+                </a:solidFill>
+                <a:latin typeface="Courier New" panose="02070309020205020404" pitchFamily="49" charset="0"/>
+                <a:cs typeface="Courier New" panose="02070309020205020404" pitchFamily="49" charset="0"/>
+              </a:rPr>
+              <a:t>T represents the data type</a:t>
+            </a:r>
+          </a:p>
+          <a:p>
+            <a:endParaRPr lang="en-US" sz="1200" baseline="0" dirty="0" smtClean="0">
+              <a:solidFill>
+                <a:srgbClr val="FF0000"/>
+              </a:solidFill>
+              <a:latin typeface="Courier New" panose="02070309020205020404" pitchFamily="49" charset="0"/>
+              <a:cs typeface="Courier New" panose="02070309020205020404" pitchFamily="49" charset="0"/>
+            </a:endParaRPr>
+          </a:p>
+          <a:p>
+            <a:endParaRPr lang="en-US" sz="1200" baseline="0" dirty="0" smtClean="0">
+              <a:solidFill>
+                <a:srgbClr val="FF0000"/>
+              </a:solidFill>
+              <a:latin typeface="Courier New" panose="02070309020205020404" pitchFamily="49" charset="0"/>
+              <a:cs typeface="Courier New" panose="02070309020205020404" pitchFamily="49" charset="0"/>
+            </a:endParaRPr>
+          </a:p>
+          <a:p>
+            <a:pPr marL="0" marR="0" indent="0" algn="l" defTabSz="457200" rtl="0" eaLnBrk="1" fontAlgn="auto" latinLnBrk="0" hangingPunct="1">
+              <a:lnSpc>
+                <a:spcPct val="100000"/>
+              </a:lnSpc>
+              <a:spcBef>
+                <a:spcPts val="0"/>
+              </a:spcBef>
+              <a:spcAft>
+                <a:spcPts val="0"/>
+              </a:spcAft>
+              <a:buClrTx/>
+              <a:buSzTx/>
+              <a:buFontTx/>
+              <a:buNone/>
+              <a:tabLst/>
+              <a:defRPr/>
+            </a:pPr>
+            <a:r>
+              <a:rPr lang="en-US" altLang="zh-TW" sz="1200" dirty="0" smtClean="0">
+                <a:solidFill>
+                  <a:srgbClr val="FF0000"/>
+                </a:solidFill>
+                <a:latin typeface="Courier New" panose="02070309020205020404" pitchFamily="49" charset="0"/>
+                <a:cs typeface="Courier New" panose="02070309020205020404" pitchFamily="49" charset="0"/>
+              </a:rPr>
+              <a:t>template &lt;class A&gt;------</a:t>
+            </a:r>
+            <a:r>
+              <a:rPr lang="en-US" altLang="zh-TW" sz="1200" dirty="0" smtClean="0">
+                <a:solidFill>
+                  <a:srgbClr val="FF0000"/>
+                </a:solidFill>
+                <a:latin typeface="Courier New" panose="02070309020205020404" pitchFamily="49" charset="0"/>
+                <a:cs typeface="Courier New" panose="02070309020205020404" pitchFamily="49" charset="0"/>
+                <a:sym typeface="Wingdings" panose="05000000000000000000" pitchFamily="2" charset="2"/>
+              </a:rPr>
+              <a:t></a:t>
+            </a:r>
+            <a:r>
+              <a:rPr lang="zh-TW" altLang="en-US" sz="1200" dirty="0" smtClean="0">
+                <a:solidFill>
+                  <a:srgbClr val="FF0000"/>
+                </a:solidFill>
+                <a:latin typeface="Courier New" panose="02070309020205020404" pitchFamily="49" charset="0"/>
+                <a:cs typeface="Courier New" panose="02070309020205020404" pitchFamily="49" charset="0"/>
+                <a:sym typeface="Wingdings" panose="05000000000000000000" pitchFamily="2" charset="2"/>
+              </a:rPr>
+              <a:t>跟著</a:t>
+            </a:r>
+            <a:r>
+              <a:rPr lang="en-US" altLang="zh-TW" sz="1200" dirty="0" smtClean="0">
+                <a:solidFill>
+                  <a:srgbClr val="FF0000"/>
+                </a:solidFill>
+                <a:latin typeface="Courier New" panose="02070309020205020404" pitchFamily="49" charset="0"/>
+                <a:cs typeface="Courier New" panose="02070309020205020404" pitchFamily="49" charset="0"/>
+                <a:sym typeface="Wingdings" panose="05000000000000000000" pitchFamily="2" charset="2"/>
+              </a:rPr>
+              <a:t>function  </a:t>
+            </a:r>
+            <a:r>
+              <a:rPr lang="zh-TW" altLang="en-US" sz="1200" dirty="0" smtClean="0">
+                <a:solidFill>
+                  <a:srgbClr val="FF0000"/>
+                </a:solidFill>
+                <a:latin typeface="Courier New" panose="02070309020205020404" pitchFamily="49" charset="0"/>
+                <a:cs typeface="Courier New" panose="02070309020205020404" pitchFamily="49" charset="0"/>
+                <a:sym typeface="Wingdings" panose="05000000000000000000" pitchFamily="2" charset="2"/>
+              </a:rPr>
+              <a:t>每一個</a:t>
+            </a:r>
+            <a:r>
+              <a:rPr lang="en-US" altLang="zh-TW" sz="1200" dirty="0" smtClean="0">
+                <a:solidFill>
+                  <a:srgbClr val="FF0000"/>
+                </a:solidFill>
+                <a:latin typeface="Courier New" panose="02070309020205020404" pitchFamily="49" charset="0"/>
+                <a:cs typeface="Courier New" panose="02070309020205020404" pitchFamily="49" charset="0"/>
+                <a:sym typeface="Wingdings" panose="05000000000000000000" pitchFamily="2" charset="2"/>
+              </a:rPr>
+              <a:t>function</a:t>
+            </a:r>
+            <a:r>
+              <a:rPr lang="zh-TW" altLang="en-US" sz="1200" dirty="0" smtClean="0">
+                <a:solidFill>
+                  <a:srgbClr val="FF0000"/>
+                </a:solidFill>
+                <a:latin typeface="Courier New" panose="02070309020205020404" pitchFamily="49" charset="0"/>
+                <a:cs typeface="Courier New" panose="02070309020205020404" pitchFamily="49" charset="0"/>
+                <a:sym typeface="Wingdings" panose="05000000000000000000" pitchFamily="2" charset="2"/>
+              </a:rPr>
+              <a:t>都要一個</a:t>
+            </a:r>
+            <a:endParaRPr lang="en-US" altLang="zh-TW" sz="1200" dirty="0" smtClean="0">
+              <a:solidFill>
+                <a:srgbClr val="FF0000"/>
+              </a:solidFill>
+              <a:latin typeface="Courier New" panose="02070309020205020404" pitchFamily="49" charset="0"/>
+              <a:cs typeface="Courier New" panose="02070309020205020404" pitchFamily="49" charset="0"/>
+            </a:endParaRPr>
+          </a:p>
+          <a:p>
+            <a:r>
+              <a:rPr lang="en-US" dirty="0" smtClean="0"/>
+              <a:t>   compare(A &amp;v1,</a:t>
+            </a:r>
+            <a:r>
+              <a:rPr lang="en-US" baseline="0" dirty="0" smtClean="0"/>
+              <a:t> A &amp;v2)</a:t>
+            </a:r>
+          </a:p>
+          <a:p>
+            <a:endParaRPr lang="en-US" baseline="0" dirty="0" smtClean="0"/>
+          </a:p>
+          <a:p>
+            <a:r>
+              <a:rPr lang="en-US" baseline="0" dirty="0" smtClean="0"/>
+              <a:t>template &lt;class T&gt;</a:t>
+            </a:r>
+          </a:p>
+          <a:p>
+            <a:r>
+              <a:rPr lang="en-US" baseline="0" dirty="0" smtClean="0"/>
+              <a:t>template &lt;class B&gt;</a:t>
+            </a:r>
+          </a:p>
+          <a:p>
+            <a:r>
+              <a:rPr lang="en-US" baseline="0" dirty="0" smtClean="0"/>
+              <a:t>  sort(B v[], </a:t>
+            </a:r>
+            <a:r>
+              <a:rPr lang="en-US" baseline="0" dirty="0" err="1" smtClean="0"/>
+              <a:t>int</a:t>
+            </a:r>
+            <a:r>
+              <a:rPr lang="en-US" baseline="0" dirty="0" smtClean="0"/>
+              <a:t> n)</a:t>
+            </a:r>
+            <a:endParaRPr lang="en-US" dirty="0"/>
+          </a:p>
+        </p:txBody>
+      </p:sp>
+      <p:sp>
+        <p:nvSpPr>
+          <p:cNvPr id="4" name="投影片編號版面配置區 3"/>
+          <p:cNvSpPr>
+            <a:spLocks noGrp="1"/>
+          </p:cNvSpPr>
+          <p:nvPr>
+            <p:ph type="sldNum" sz="quarter" idx="10"/>
+          </p:nvPr>
+        </p:nvSpPr>
+        <p:spPr/>
+        <p:txBody>
+          <a:bodyPr/>
+          <a:lstStyle/>
+          <a:p>
+            <a:fld id="{4434A9D5-F0D8-354E-9F0A-63F83BF169BC}" type="slidenum">
+              <a:rPr kumimoji="1" lang="zh-TW" altLang="en-US" smtClean="0"/>
+              <a:t>7</a:t>
+            </a:fld>
+            <a:endParaRPr kumimoji="1" lang="zh-TW" altLang="en-US"/>
+          </a:p>
+        </p:txBody>
+      </p:sp>
+    </p:spTree>
+    <p:extLst>
+      <p:ext uri="{BB962C8B-B14F-4D97-AF65-F5344CB8AC3E}">
+        <p14:creationId xmlns:p14="http://schemas.microsoft.com/office/powerpoint/2010/main" val="3980574269"/>
+      </p:ext>
+    </p:extLst>
+  </p:cSld>
+  <p:clrMapOvr>
+    <a:masterClrMapping/>
+  </p:clrMapOvr>
+</p:notes>
+</file>
+
+<file path=ppt/notesSlides/notesSlide5.xml><?xml version="1.0" encoding="utf-8"?>
+<p:notes xmlns:a="http://schemas.openxmlformats.org/drawingml/2006/main" xmlns:r="http://schemas.openxmlformats.org/officeDocument/2006/relationships" xmlns:p="http://schemas.openxmlformats.org/presentationml/2006/main">
+  <p:cSld>
+    <p:spTree>
+      <p:nvGrpSpPr>
+        <p:cNvPr id="1" name=""/>
+        <p:cNvGrpSpPr/>
+        <p:nvPr/>
+      </p:nvGrpSpPr>
+      <p:grpSpPr>
+        <a:xfrm>
+          <a:off x="0" y="0"/>
+          <a:ext cx="0" cy="0"/>
+          <a:chOff x="0" y="0"/>
+          <a:chExt cx="0" cy="0"/>
+        </a:xfrm>
+      </p:grpSpPr>
+      <p:sp>
+        <p:nvSpPr>
+          <p:cNvPr id="2" name="投影片圖像版面配置區 1"/>
+          <p:cNvSpPr>
+            <a:spLocks noGrp="1" noRot="1" noChangeAspect="1"/>
+          </p:cNvSpPr>
+          <p:nvPr>
+            <p:ph type="sldImg"/>
+          </p:nvPr>
+        </p:nvSpPr>
+        <p:spPr/>
+      </p:sp>
+      <p:sp>
+        <p:nvSpPr>
+          <p:cNvPr id="3" name="備忘稿版面配置區 2"/>
+          <p:cNvSpPr>
+            <a:spLocks noGrp="1"/>
+          </p:cNvSpPr>
+          <p:nvPr>
+            <p:ph type="body" idx="1"/>
+          </p:nvPr>
+        </p:nvSpPr>
+        <p:spPr/>
+        <p:txBody>
+          <a:bodyPr/>
+          <a:lstStyle/>
+          <a:p>
+            <a:r>
+              <a:rPr lang="zh-TW" altLang="en-US" dirty="0" smtClean="0"/>
+              <a:t>標準寫法</a:t>
+            </a:r>
+            <a:endParaRPr lang="en-US" altLang="zh-TW" dirty="0" smtClean="0"/>
+          </a:p>
+          <a:p>
+            <a:r>
+              <a:rPr lang="en-US" dirty="0" err="1" smtClean="0"/>
+              <a:t>get_array_size</a:t>
+            </a:r>
+            <a:r>
+              <a:rPr lang="en-US" baseline="0" dirty="0" smtClean="0"/>
+              <a:t> &lt;</a:t>
+            </a:r>
+            <a:r>
+              <a:rPr lang="en-US" baseline="0" dirty="0" err="1" smtClean="0"/>
+              <a:t>int</a:t>
+            </a:r>
+            <a:r>
+              <a:rPr lang="en-US" baseline="0" dirty="0" smtClean="0"/>
+              <a:t>, 2&gt;(a)</a:t>
+            </a:r>
+          </a:p>
+          <a:p>
+            <a:r>
+              <a:rPr lang="en-US" baseline="0" dirty="0" smtClean="0"/>
+              <a:t>But compiler can see the data type and size of the array   and   automatically  put it in the function</a:t>
+            </a:r>
+            <a:endParaRPr lang="en-US" dirty="0"/>
+          </a:p>
+        </p:txBody>
+      </p:sp>
+      <p:sp>
+        <p:nvSpPr>
+          <p:cNvPr id="4" name="投影片編號版面配置區 3"/>
+          <p:cNvSpPr>
+            <a:spLocks noGrp="1"/>
+          </p:cNvSpPr>
+          <p:nvPr>
+            <p:ph type="sldNum" sz="quarter" idx="10"/>
+          </p:nvPr>
+        </p:nvSpPr>
+        <p:spPr/>
+        <p:txBody>
+          <a:bodyPr/>
+          <a:lstStyle/>
+          <a:p>
+            <a:fld id="{4434A9D5-F0D8-354E-9F0A-63F83BF169BC}" type="slidenum">
+              <a:rPr kumimoji="1" lang="zh-TW" altLang="en-US" smtClean="0"/>
+              <a:t>9</a:t>
+            </a:fld>
+            <a:endParaRPr kumimoji="1" lang="zh-TW" altLang="en-US"/>
+          </a:p>
+        </p:txBody>
+      </p:sp>
+    </p:spTree>
+    <p:extLst>
+      <p:ext uri="{BB962C8B-B14F-4D97-AF65-F5344CB8AC3E}">
+        <p14:creationId xmlns:p14="http://schemas.microsoft.com/office/powerpoint/2010/main" val="1057518643"/>
+      </p:ext>
+    </p:extLst>
+  </p:cSld>
+  <p:clrMapOvr>
+    <a:masterClrMapping/>
+  </p:clrMapOvr>
+</p:notes>
+</file>
+
+<file path=ppt/notesSlides/notesSlide6.xml><?xml version="1.0" encoding="utf-8"?>
+<p:notes xmlns:a="http://schemas.openxmlformats.org/drawingml/2006/main" xmlns:r="http://schemas.openxmlformats.org/officeDocument/2006/relationships" xmlns:p="http://schemas.openxmlformats.org/presentationml/2006/main">
+  <p:cSld>
+    <p:spTree>
+      <p:nvGrpSpPr>
+        <p:cNvPr id="1" name=""/>
+        <p:cNvGrpSpPr/>
+        <p:nvPr/>
+      </p:nvGrpSpPr>
+      <p:grpSpPr>
+        <a:xfrm>
+          <a:off x="0" y="0"/>
+          <a:ext cx="0" cy="0"/>
+          <a:chOff x="0" y="0"/>
+          <a:chExt cx="0" cy="0"/>
+        </a:xfrm>
+      </p:grpSpPr>
+      <p:sp>
+        <p:nvSpPr>
+          <p:cNvPr id="2" name="投影片圖像版面配置區 1"/>
+          <p:cNvSpPr>
+            <a:spLocks noGrp="1" noRot="1" noChangeAspect="1"/>
+          </p:cNvSpPr>
+          <p:nvPr>
+            <p:ph type="sldImg"/>
+          </p:nvPr>
+        </p:nvSpPr>
+        <p:spPr/>
+      </p:sp>
+      <p:sp>
+        <p:nvSpPr>
+          <p:cNvPr id="3" name="備忘稿版面配置區 2"/>
+          <p:cNvSpPr>
+            <a:spLocks noGrp="1"/>
+          </p:cNvSpPr>
+          <p:nvPr>
+            <p:ph type="body" idx="1"/>
+          </p:nvPr>
+        </p:nvSpPr>
+        <p:spPr/>
+        <p:txBody>
+          <a:bodyPr/>
+          <a:lstStyle/>
+          <a:p>
+            <a:r>
+              <a:rPr lang="en-US" dirty="0" smtClean="0"/>
+              <a:t>Array can store </a:t>
+            </a:r>
+            <a:r>
+              <a:rPr lang="en-US" dirty="0" err="1" smtClean="0"/>
+              <a:t>int</a:t>
+            </a:r>
+            <a:r>
+              <a:rPr lang="en-US" dirty="0" smtClean="0"/>
+              <a:t> float,</a:t>
+            </a:r>
+            <a:r>
+              <a:rPr lang="en-US" baseline="0" dirty="0" smtClean="0"/>
+              <a:t> string…….. </a:t>
+            </a:r>
+            <a:endParaRPr lang="en-US" dirty="0"/>
+          </a:p>
+        </p:txBody>
+      </p:sp>
+      <p:sp>
+        <p:nvSpPr>
+          <p:cNvPr id="4" name="投影片編號版面配置區 3"/>
+          <p:cNvSpPr>
+            <a:spLocks noGrp="1"/>
+          </p:cNvSpPr>
+          <p:nvPr>
+            <p:ph type="sldNum" sz="quarter" idx="10"/>
+          </p:nvPr>
+        </p:nvSpPr>
+        <p:spPr/>
+        <p:txBody>
+          <a:bodyPr/>
+          <a:lstStyle/>
+          <a:p>
+            <a:fld id="{4434A9D5-F0D8-354E-9F0A-63F83BF169BC}" type="slidenum">
+              <a:rPr kumimoji="1" lang="zh-TW" altLang="en-US" smtClean="0"/>
+              <a:t>10</a:t>
+            </a:fld>
+            <a:endParaRPr kumimoji="1" lang="zh-TW" altLang="en-US"/>
+          </a:p>
+        </p:txBody>
+      </p:sp>
+    </p:spTree>
+    <p:extLst>
+      <p:ext uri="{BB962C8B-B14F-4D97-AF65-F5344CB8AC3E}">
+        <p14:creationId xmlns:p14="http://schemas.microsoft.com/office/powerpoint/2010/main" val="1021842752"/>
+      </p:ext>
+    </p:extLst>
+  </p:cSld>
+  <p:clrMapOvr>
+    <a:masterClrMapping/>
+  </p:clrMapOvr>
+</p:notes>
+</file>
+
+<file path=ppt/notesSlides/notesSlide7.xml><?xml version="1.0" encoding="utf-8"?>
+<p:notes xmlns:a="http://schemas.openxmlformats.org/drawingml/2006/main" xmlns:r="http://schemas.openxmlformats.org/officeDocument/2006/relationships" xmlns:p="http://schemas.openxmlformats.org/presentationml/2006/main">
+  <p:cSld>
+    <p:spTree>
+      <p:nvGrpSpPr>
+        <p:cNvPr id="1" name=""/>
+        <p:cNvGrpSpPr/>
+        <p:nvPr/>
+      </p:nvGrpSpPr>
+      <p:grpSpPr>
+        <a:xfrm>
+          <a:off x="0" y="0"/>
+          <a:ext cx="0" cy="0"/>
+          <a:chOff x="0" y="0"/>
+          <a:chExt cx="0" cy="0"/>
+        </a:xfrm>
+      </p:grpSpPr>
+      <p:sp>
+        <p:nvSpPr>
+          <p:cNvPr id="2" name="投影片圖像版面配置區 1"/>
+          <p:cNvSpPr>
+            <a:spLocks noGrp="1" noRot="1" noChangeAspect="1"/>
+          </p:cNvSpPr>
+          <p:nvPr>
+            <p:ph type="sldImg"/>
+          </p:nvPr>
+        </p:nvSpPr>
+        <p:spPr/>
+      </p:sp>
+      <p:sp>
+        <p:nvSpPr>
+          <p:cNvPr id="3" name="備忘稿版面配置區 2"/>
+          <p:cNvSpPr>
+            <a:spLocks noGrp="1"/>
+          </p:cNvSpPr>
+          <p:nvPr>
+            <p:ph type="body" idx="1"/>
+          </p:nvPr>
+        </p:nvSpPr>
+        <p:spPr/>
+        <p:txBody>
+          <a:bodyPr/>
+          <a:lstStyle/>
+          <a:p>
+            <a:r>
+              <a:rPr lang="zh-TW" altLang="en-US" dirty="0" smtClean="0"/>
+              <a:t>不是一開始就把成千萬種的</a:t>
+            </a:r>
+            <a:r>
+              <a:rPr lang="en-US" altLang="zh-TW" dirty="0" smtClean="0"/>
+              <a:t>type</a:t>
+            </a:r>
+            <a:r>
+              <a:rPr lang="zh-TW" altLang="en-US" dirty="0" smtClean="0"/>
+              <a:t>弄好，等到呼叫</a:t>
+            </a:r>
+            <a:endParaRPr lang="en-US" altLang="zh-TW" dirty="0" smtClean="0"/>
+          </a:p>
+          <a:p>
+            <a:r>
+              <a:rPr lang="en-US" dirty="0" smtClean="0"/>
+              <a:t>Array&lt;string&gt;</a:t>
+            </a:r>
+            <a:r>
+              <a:rPr lang="en-US" baseline="0" dirty="0" smtClean="0"/>
+              <a:t> B(2)</a:t>
+            </a:r>
+            <a:r>
+              <a:rPr lang="zh-TW" altLang="en-US" baseline="0" dirty="0" smtClean="0"/>
+              <a:t>才把</a:t>
+            </a:r>
+            <a:r>
+              <a:rPr lang="en-US" altLang="zh-TW" baseline="0" dirty="0" err="1" smtClean="0"/>
+              <a:t>Ctype</a:t>
+            </a:r>
+            <a:r>
+              <a:rPr lang="en-US" altLang="zh-TW" baseline="0" dirty="0" smtClean="0"/>
+              <a:t> </a:t>
+            </a:r>
+            <a:r>
+              <a:rPr lang="zh-TW" altLang="en-US" baseline="0" dirty="0" smtClean="0"/>
+              <a:t>換成</a:t>
+            </a:r>
+            <a:r>
+              <a:rPr lang="en-US" altLang="zh-TW" baseline="0" dirty="0" smtClean="0"/>
+              <a:t>string</a:t>
+            </a:r>
+          </a:p>
+          <a:p>
+            <a:endParaRPr lang="en-US" baseline="0" dirty="0" smtClean="0"/>
+          </a:p>
+          <a:p>
+            <a:r>
+              <a:rPr lang="en-US" baseline="0" dirty="0" smtClean="0"/>
+              <a:t>Template define in .h</a:t>
+            </a:r>
+            <a:endParaRPr lang="en-US" dirty="0"/>
+          </a:p>
+        </p:txBody>
+      </p:sp>
+      <p:sp>
+        <p:nvSpPr>
+          <p:cNvPr id="4" name="投影片編號版面配置區 3"/>
+          <p:cNvSpPr>
+            <a:spLocks noGrp="1"/>
+          </p:cNvSpPr>
+          <p:nvPr>
+            <p:ph type="sldNum" sz="quarter" idx="10"/>
+          </p:nvPr>
+        </p:nvSpPr>
+        <p:spPr/>
+        <p:txBody>
+          <a:bodyPr/>
+          <a:lstStyle/>
+          <a:p>
+            <a:fld id="{4434A9D5-F0D8-354E-9F0A-63F83BF169BC}" type="slidenum">
+              <a:rPr kumimoji="1" lang="zh-TW" altLang="en-US" smtClean="0"/>
+              <a:t>12</a:t>
+            </a:fld>
+            <a:endParaRPr kumimoji="1" lang="zh-TW" altLang="en-US"/>
+          </a:p>
+        </p:txBody>
+      </p:sp>
+    </p:spTree>
+    <p:extLst>
+      <p:ext uri="{BB962C8B-B14F-4D97-AF65-F5344CB8AC3E}">
+        <p14:creationId xmlns:p14="http://schemas.microsoft.com/office/powerpoint/2010/main" val="2286272683"/>
+      </p:ext>
+    </p:extLst>
+  </p:cSld>
+  <p:clrMapOvr>
+    <a:masterClrMapping/>
+  </p:clrMapOvr>
+</p:notes>
+</file>
+
+<file path=ppt/notesSlides/notesSlide8.xml><?xml version="1.0" encoding="utf-8"?>
+<p:notes xmlns:a="http://schemas.openxmlformats.org/drawingml/2006/main" xmlns:r="http://schemas.openxmlformats.org/officeDocument/2006/relationships" xmlns:p="http://schemas.openxmlformats.org/presentationml/2006/main">
+  <p:cSld>
+    <p:spTree>
+      <p:nvGrpSpPr>
+        <p:cNvPr id="1" name=""/>
+        <p:cNvGrpSpPr/>
+        <p:nvPr/>
+      </p:nvGrpSpPr>
+      <p:grpSpPr>
+        <a:xfrm>
+          <a:off x="0" y="0"/>
+          <a:ext cx="0" cy="0"/>
+          <a:chOff x="0" y="0"/>
+          <a:chExt cx="0" cy="0"/>
+        </a:xfrm>
+      </p:grpSpPr>
+      <p:sp>
+        <p:nvSpPr>
+          <p:cNvPr id="2" name="投影片圖像版面配置區 1"/>
+          <p:cNvSpPr>
+            <a:spLocks noGrp="1" noRot="1" noChangeAspect="1"/>
+          </p:cNvSpPr>
+          <p:nvPr>
+            <p:ph type="sldImg"/>
+          </p:nvPr>
+        </p:nvSpPr>
+        <p:spPr/>
+      </p:sp>
+      <p:sp>
+        <p:nvSpPr>
+          <p:cNvPr id="3" name="備忘稿版面配置區 2"/>
+          <p:cNvSpPr>
+            <a:spLocks noGrp="1"/>
+          </p:cNvSpPr>
+          <p:nvPr>
+            <p:ph type="body" idx="1"/>
+          </p:nvPr>
+        </p:nvSpPr>
+        <p:spPr/>
+        <p:txBody>
+          <a:bodyPr/>
+          <a:lstStyle/>
+          <a:p>
+            <a:r>
+              <a:rPr lang="en-US" dirty="0" smtClean="0"/>
+              <a:t>for</a:t>
+            </a:r>
+            <a:r>
+              <a:rPr lang="en-US" baseline="0" dirty="0" smtClean="0"/>
+              <a:t> (</a:t>
+            </a:r>
+            <a:r>
+              <a:rPr lang="en-US" baseline="0" dirty="0" err="1" smtClean="0"/>
+              <a:t>int</a:t>
+            </a:r>
+            <a:r>
+              <a:rPr lang="en-US" baseline="0" dirty="0" smtClean="0"/>
+              <a:t> a=0 ; a&lt;10; a++)</a:t>
+            </a:r>
+          </a:p>
+          <a:p>
+            <a:r>
+              <a:rPr lang="en-US" baseline="0" dirty="0" smtClean="0"/>
+              <a:t>	</a:t>
+            </a:r>
+            <a:r>
+              <a:rPr lang="en-US" baseline="0" dirty="0" err="1" smtClean="0"/>
+              <a:t>cout</a:t>
+            </a:r>
+            <a:r>
+              <a:rPr lang="en-US" baseline="0" dirty="0" smtClean="0"/>
+              <a:t>&lt;&lt;s[a]&lt;&lt;</a:t>
+            </a:r>
+            <a:r>
+              <a:rPr lang="en-US" baseline="0" dirty="0" err="1" smtClean="0"/>
+              <a:t>endl</a:t>
+            </a:r>
+            <a:r>
+              <a:rPr lang="en-US" baseline="0" dirty="0" smtClean="0"/>
+              <a:t>;</a:t>
+            </a:r>
+            <a:endParaRPr lang="en-US" dirty="0"/>
+          </a:p>
+        </p:txBody>
+      </p:sp>
+      <p:sp>
+        <p:nvSpPr>
+          <p:cNvPr id="4" name="投影片編號版面配置區 3"/>
+          <p:cNvSpPr>
+            <a:spLocks noGrp="1"/>
+          </p:cNvSpPr>
+          <p:nvPr>
+            <p:ph type="sldNum" sz="quarter" idx="10"/>
+          </p:nvPr>
+        </p:nvSpPr>
+        <p:spPr/>
+        <p:txBody>
+          <a:bodyPr/>
+          <a:lstStyle/>
+          <a:p>
+            <a:fld id="{4434A9D5-F0D8-354E-9F0A-63F83BF169BC}" type="slidenum">
+              <a:rPr kumimoji="1" lang="zh-TW" altLang="en-US" smtClean="0"/>
+              <a:t>19</a:t>
+            </a:fld>
+            <a:endParaRPr kumimoji="1" lang="zh-TW" altLang="en-US"/>
+          </a:p>
+        </p:txBody>
+      </p:sp>
+    </p:spTree>
+    <p:extLst>
+      <p:ext uri="{BB962C8B-B14F-4D97-AF65-F5344CB8AC3E}">
+        <p14:creationId xmlns:p14="http://schemas.microsoft.com/office/powerpoint/2010/main" val="1817930550"/>
+      </p:ext>
+    </p:extLst>
+  </p:cSld>
+  <p:clrMapOvr>
+    <a:masterClrMapping/>
+  </p:clrMapOvr>
+</p:notes>
 </file>
 
 <file path=ppt/slideLayouts/slideLayout1.xml><?xml version="1.0" encoding="utf-8"?>
@@ -9057,11 +10115,41 @@
                 <a:tableStyleId>{5C22544A-7EE6-4342-B048-85BDC9FD1C3A}</a:tableStyleId>
               </a:tblPr>
               <a:tblGrid>
-                <a:gridCol w="1102662"/>
-                <a:gridCol w="734451"/>
-                <a:gridCol w="2532185"/>
-                <a:gridCol w="817151"/>
-                <a:gridCol w="3043151"/>
+                <a:gridCol w="1102662">
+                  <a:extLst>
+                    <a:ext uri="{9D8B030D-6E8A-4147-A177-3AD203B41FA5}">
+                      <a16:colId xmlns:a16="http://schemas.microsoft.com/office/drawing/2014/main" val="20000"/>
+                    </a:ext>
+                  </a:extLst>
+                </a:gridCol>
+                <a:gridCol w="734451">
+                  <a:extLst>
+                    <a:ext uri="{9D8B030D-6E8A-4147-A177-3AD203B41FA5}">
+                      <a16:colId xmlns:a16="http://schemas.microsoft.com/office/drawing/2014/main" val="20001"/>
+                    </a:ext>
+                  </a:extLst>
+                </a:gridCol>
+                <a:gridCol w="2532185">
+                  <a:extLst>
+                    <a:ext uri="{9D8B030D-6E8A-4147-A177-3AD203B41FA5}">
+                      <a16:colId xmlns:a16="http://schemas.microsoft.com/office/drawing/2014/main" val="20002"/>
+                    </a:ext>
+                  </a:extLst>
+                </a:gridCol>
+                <a:gridCol w="817151">
+                  <a:extLst>
+                    <a:ext uri="{9D8B030D-6E8A-4147-A177-3AD203B41FA5}">
+                      <a16:colId xmlns:a16="http://schemas.microsoft.com/office/drawing/2014/main" val="20003"/>
+                    </a:ext>
+                  </a:extLst>
+                </a:gridCol>
+                <a:gridCol w="3043151">
+                  <a:extLst>
+                    <a:ext uri="{9D8B030D-6E8A-4147-A177-3AD203B41FA5}">
+                      <a16:colId xmlns:a16="http://schemas.microsoft.com/office/drawing/2014/main" val="20004"/>
+                    </a:ext>
+                  </a:extLst>
+                </a:gridCol>
               </a:tblGrid>
               <a:tr h="416777">
                 <a:tc>
@@ -9200,6 +10288,11 @@
                   </a:txBody>
                   <a:tcPr marL="64002" marR="64002" marT="0" marB="0"/>
                 </a:tc>
+                <a:extLst>
+                  <a:ext uri="{0D108BD9-81ED-4DB2-BD59-A6C34878D82A}">
+                    <a16:rowId xmlns:a16="http://schemas.microsoft.com/office/drawing/2014/main" val="10000"/>
+                  </a:ext>
+                </a:extLst>
               </a:tr>
               <a:tr h="416777">
                 <a:tc>
@@ -9371,6 +10464,11 @@
                   </a:txBody>
                   <a:tcPr marL="64002" marR="64002" marT="0" marB="0"/>
                 </a:tc>
+                <a:extLst>
+                  <a:ext uri="{0D108BD9-81ED-4DB2-BD59-A6C34878D82A}">
+                    <a16:rowId xmlns:a16="http://schemas.microsoft.com/office/drawing/2014/main" val="10001"/>
+                  </a:ext>
+                </a:extLst>
               </a:tr>
               <a:tr h="512956">
                 <a:tc>
@@ -9527,6 +10625,11 @@
                   </a:txBody>
                   <a:tcPr marL="64002" marR="64002" marT="0" marB="0"/>
                 </a:tc>
+                <a:extLst>
+                  <a:ext uri="{0D108BD9-81ED-4DB2-BD59-A6C34878D82A}">
+                    <a16:rowId xmlns:a16="http://schemas.microsoft.com/office/drawing/2014/main" val="10002"/>
+                  </a:ext>
+                </a:extLst>
               </a:tr>
               <a:tr h="416777">
                 <a:tc>
@@ -9668,6 +10771,11 @@
                   </a:txBody>
                   <a:tcPr marL="64002" marR="64002" marT="0" marB="0"/>
                 </a:tc>
+                <a:extLst>
+                  <a:ext uri="{0D108BD9-81ED-4DB2-BD59-A6C34878D82A}">
+                    <a16:rowId xmlns:a16="http://schemas.microsoft.com/office/drawing/2014/main" val="10003"/>
+                  </a:ext>
+                </a:extLst>
               </a:tr>
               <a:tr h="416777">
                 <a:tc>
@@ -9845,6 +10953,11 @@
                   </a:txBody>
                   <a:tcPr marL="64002" marR="64002" marT="0" marB="0"/>
                 </a:tc>
+                <a:extLst>
+                  <a:ext uri="{0D108BD9-81ED-4DB2-BD59-A6C34878D82A}">
+                    <a16:rowId xmlns:a16="http://schemas.microsoft.com/office/drawing/2014/main" val="10004"/>
+                  </a:ext>
+                </a:extLst>
               </a:tr>
               <a:tr h="416777">
                 <a:tc>
@@ -9989,6 +11102,11 @@
                   </a:txBody>
                   <a:tcPr marL="64002" marR="64002" marT="0" marB="0"/>
                 </a:tc>
+                <a:extLst>
+                  <a:ext uri="{0D108BD9-81ED-4DB2-BD59-A6C34878D82A}">
+                    <a16:rowId xmlns:a16="http://schemas.microsoft.com/office/drawing/2014/main" val="10005"/>
+                  </a:ext>
+                </a:extLst>
               </a:tr>
             </a:tbl>
           </a:graphicData>
